--- a/MM & ES Lab_Project-Proposal_Presentation_of_Team-Bratva - Copy.pptx
+++ b/MM & ES Lab_Project-Proposal_Presentation_of_Team-Bratva - Copy.pptx
@@ -234,7 +234,7 @@
           <a:p>
             <a:fld id="{FE5B4EDC-59C0-49C7-8ADA-5A781B329E02}" type="datetimeFigureOut">
               <a:rPr lang="en-US"/>
-              <a:t>10/26/2022</a:t>
+              <a:t>10/30/2022</a:t>
             </a:fld>
             <a:endParaRPr/>
           </a:p>
@@ -399,7 +399,7 @@
           <a:p>
             <a:fld id="{F2D8D46A-B586-417D-BFBD-8C8FE0AAF762}" type="datetimeFigureOut">
               <a:rPr lang="en-US"/>
-              <a:t>10/26/2022</a:t>
+              <a:t>10/30/2022</a:t>
             </a:fld>
             <a:endParaRPr/>
           </a:p>
@@ -1417,7 +1417,7 @@
           <a:p>
             <a:fld id="{F0DFD029-FB74-4578-B929-F66AA97659CA}" type="datetimeFigureOut">
               <a:rPr lang="en-US"/>
-              <a:t>10/26/2022</a:t>
+              <a:t>10/30/2022</a:t>
             </a:fld>
             <a:endParaRPr/>
           </a:p>
@@ -1615,7 +1615,7 @@
           <a:p>
             <a:fld id="{F0DFD029-FB74-4578-B929-F66AA97659CA}" type="datetimeFigureOut">
               <a:rPr lang="en-US"/>
-              <a:t>10/26/2022</a:t>
+              <a:t>10/30/2022</a:t>
             </a:fld>
             <a:endParaRPr/>
           </a:p>
@@ -1823,7 +1823,7 @@
           <a:p>
             <a:fld id="{F0DFD029-FB74-4578-B929-F66AA97659CA}" type="datetimeFigureOut">
               <a:rPr lang="en-US"/>
-              <a:t>10/26/2022</a:t>
+              <a:t>10/30/2022</a:t>
             </a:fld>
             <a:endParaRPr/>
           </a:p>
@@ -2021,7 +2021,7 @@
           <a:p>
             <a:fld id="{F0DFD029-FB74-4578-B929-F66AA97659CA}" type="datetimeFigureOut">
               <a:rPr lang="en-US"/>
-              <a:t>10/26/2022</a:t>
+              <a:t>10/30/2022</a:t>
             </a:fld>
             <a:endParaRPr/>
           </a:p>
@@ -2453,7 +2453,7 @@
           <a:p>
             <a:fld id="{F0DFD029-FB74-4578-B929-F66AA97659CA}" type="datetimeFigureOut">
               <a:rPr lang="en-US"/>
-              <a:t>10/26/2022</a:t>
+              <a:t>10/30/2022</a:t>
             </a:fld>
             <a:endParaRPr/>
           </a:p>
@@ -2757,7 +2757,7 @@
           <a:p>
             <a:fld id="{F0DFD029-FB74-4578-B929-F66AA97659CA}" type="datetimeFigureOut">
               <a:rPr lang="en-US"/>
-              <a:t>10/26/2022</a:t>
+              <a:t>10/30/2022</a:t>
             </a:fld>
             <a:endParaRPr/>
           </a:p>
@@ -3213,7 +3213,7 @@
           <a:p>
             <a:fld id="{F0DFD029-FB74-4578-B929-F66AA97659CA}" type="datetimeFigureOut">
               <a:rPr lang="en-US"/>
-              <a:t>10/26/2022</a:t>
+              <a:t>10/30/2022</a:t>
             </a:fld>
             <a:endParaRPr/>
           </a:p>
@@ -3343,7 +3343,7 @@
           <a:p>
             <a:fld id="{F0DFD029-FB74-4578-B929-F66AA97659CA}" type="datetimeFigureOut">
               <a:rPr lang="en-US"/>
-              <a:t>10/26/2022</a:t>
+              <a:t>10/30/2022</a:t>
             </a:fld>
             <a:endParaRPr/>
           </a:p>
@@ -3450,7 +3450,7 @@
           <a:p>
             <a:fld id="{F0DFD029-FB74-4578-B929-F66AA97659CA}" type="datetimeFigureOut">
               <a:rPr lang="en-US"/>
-              <a:t>10/26/2022</a:t>
+              <a:t>10/30/2022</a:t>
             </a:fld>
             <a:endParaRPr/>
           </a:p>
@@ -3749,7 +3749,7 @@
           <a:p>
             <a:fld id="{F0DFD029-FB74-4578-B929-F66AA97659CA}" type="datetimeFigureOut">
               <a:rPr lang="en-US"/>
-              <a:t>10/26/2022</a:t>
+              <a:t>10/30/2022</a:t>
             </a:fld>
             <a:endParaRPr/>
           </a:p>
@@ -4037,7 +4037,7 @@
           <a:p>
             <a:fld id="{F0DFD029-FB74-4578-B929-F66AA97659CA}" type="datetimeFigureOut">
               <a:rPr lang="en-US"/>
-              <a:t>10/26/2022</a:t>
+              <a:t>10/30/2022</a:t>
             </a:fld>
             <a:endParaRPr/>
           </a:p>
@@ -4659,7 +4659,7 @@
             <a:fld id="{F0DFD029-FB74-4578-B929-F66AA97659CA}" type="datetimeFigureOut">
               <a:rPr lang="en-US"/>
               <a:pPr/>
-              <a:t>10/26/2022</a:t>
+              <a:t>10/30/2022</a:t>
             </a:fld>
             <a:endParaRPr/>
           </a:p>
@@ -11331,8 +11331,8 @@
         </p:nvSpPr>
         <p:spPr>
           <a:xfrm>
-            <a:off x="2097667" y="1956265"/>
-            <a:ext cx="7688688" cy="3911135"/>
+            <a:off x="2097667" y="1623958"/>
+            <a:ext cx="7688688" cy="5019131"/>
           </a:xfrm>
           <a:prstGeom prst="rect">
             <a:avLst/>
@@ -11374,7 +11374,7 @@
                 <a:ea typeface="Calibri" panose="020F0502020204030204" pitchFamily="34" charset="0"/>
                 <a:cs typeface="Vrinda" panose="020B0502040204020203" pitchFamily="34" charset="0"/>
               </a:rPr>
-              <a:t>Arduino Nano R3 x 1</a:t>
+              <a:t>Arduino Uno R3 x 1</a:t>
             </a:r>
             <a:endParaRPr lang="en-US" sz="1800" dirty="0">
               <a:latin typeface="Calibri" panose="020F0502020204030204" pitchFamily="34" charset="0"/>
@@ -11412,7 +11412,7 @@
                 <a:ea typeface="Calibri" panose="020F0502020204030204" pitchFamily="34" charset="0"/>
                 <a:cs typeface="Vrinda" panose="020B0502040204020203" pitchFamily="34" charset="0"/>
               </a:rPr>
-              <a:t>Adafruit Standard LCD - 16x2 White on Blue x 1</a:t>
+              <a:t>Standard LCD Display- 16x2 White on Blue x 1</a:t>
             </a:r>
             <a:endParaRPr lang="en-US" sz="1800" dirty="0">
               <a:latin typeface="Calibri" panose="020F0502020204030204" pitchFamily="34" charset="0"/>
@@ -11488,7 +11488,7 @@
                 <a:ea typeface="Calibri" panose="020F0502020204030204" pitchFamily="34" charset="0"/>
                 <a:cs typeface="Vrinda" panose="020B0502040204020203" pitchFamily="34" charset="0"/>
               </a:rPr>
-              <a:t>LED (generic) x 1</a:t>
+              <a:t>LED (Red, Green) x 2</a:t>
             </a:r>
             <a:endParaRPr lang="en-US" sz="1800" dirty="0">
               <a:latin typeface="Calibri" panose="020F0502020204030204" pitchFamily="34" charset="0"/>
@@ -11526,7 +11526,7 @@
                 <a:ea typeface="Calibri" panose="020F0502020204030204" pitchFamily="34" charset="0"/>
                 <a:cs typeface="Vrinda" panose="020B0502040204020203" pitchFamily="34" charset="0"/>
               </a:rPr>
-              <a:t>Resistor 330-ohm x 1</a:t>
+              <a:t>Resistor 100-ohm x 2</a:t>
             </a:r>
             <a:endParaRPr lang="en-US" sz="1800" dirty="0">
               <a:latin typeface="Calibri" panose="020F0502020204030204" pitchFamily="34" charset="0"/>
@@ -11565,6 +11565,72 @@
                 <a:cs typeface="Vrinda" panose="020B0502040204020203" pitchFamily="34" charset="0"/>
               </a:rPr>
               <a:t>Single Turn Potentiometer- 10k ohms x 1</a:t>
+            </a:r>
+          </a:p>
+          <a:p>
+            <a:pPr marL="342900" marR="0" lvl="0" indent="-342900" algn="just">
+              <a:lnSpc>
+                <a:spcPct val="150000"/>
+              </a:lnSpc>
+              <a:spcBef>
+                <a:spcPts val="0"/>
+              </a:spcBef>
+              <a:spcAft>
+                <a:spcPts val="0"/>
+              </a:spcAft>
+              <a:buFont typeface="Wingdings" panose="05000000000000000000" pitchFamily="2" charset="2"/>
+              <a:buChar char=""/>
+            </a:pPr>
+            <a:r>
+              <a:rPr lang="en-US" dirty="0">
+                <a:solidFill>
+                  <a:srgbClr val="000000"/>
+                </a:solidFill>
+                <a:effectLst>
+                  <a:outerShdw blurRad="38100" dist="19050" dir="2700000" algn="tl">
+                    <a:schemeClr val="dk1">
+                      <a:alpha val="40000"/>
+                    </a:schemeClr>
+                  </a:outerShdw>
+                </a:effectLst>
+                <a:latin typeface="Times New Roman" panose="02020603050405020304" pitchFamily="18" charset="0"/>
+                <a:ea typeface="Calibri" panose="020F0502020204030204" pitchFamily="34" charset="0"/>
+                <a:cs typeface="Vrinda" panose="020B0502040204020203" pitchFamily="34" charset="0"/>
+              </a:rPr>
+              <a:t>Buzzer x 1</a:t>
+            </a:r>
+          </a:p>
+          <a:p>
+            <a:pPr marL="342900" marR="0" lvl="0" indent="-342900" algn="just">
+              <a:lnSpc>
+                <a:spcPct val="150000"/>
+              </a:lnSpc>
+              <a:spcBef>
+                <a:spcPts val="0"/>
+              </a:spcBef>
+              <a:spcAft>
+                <a:spcPts val="0"/>
+              </a:spcAft>
+              <a:buFont typeface="Wingdings" panose="05000000000000000000" pitchFamily="2" charset="2"/>
+              <a:buChar char=""/>
+            </a:pPr>
+            <a:r>
+              <a:rPr lang="en-US" dirty="0">
+                <a:solidFill>
+                  <a:srgbClr val="000000"/>
+                </a:solidFill>
+                <a:effectLst>
+                  <a:outerShdw blurRad="38100" dist="19050" dir="2700000" algn="tl">
+                    <a:schemeClr val="dk1">
+                      <a:alpha val="40000"/>
+                    </a:schemeClr>
+                  </a:outerShdw>
+                </a:effectLst>
+                <a:latin typeface="Times New Roman" panose="02020603050405020304" pitchFamily="18" charset="0"/>
+                <a:ea typeface="Calibri" panose="020F0502020204030204" pitchFamily="34" charset="0"/>
+                <a:cs typeface="Vrinda" panose="020B0502040204020203" pitchFamily="34" charset="0"/>
+              </a:rPr>
+              <a:t>Button (Re-Check) x 1</a:t>
             </a:r>
           </a:p>
           <a:p>
@@ -14233,6 +14299,718 @@
                                           <p:spTgt spid="4">
                                             <p:txEl>
                                               <p:pRg st="6" end="6"/>
+                                            </p:txEl>
+                                          </p:spTgt>
+                                        </p:tgtEl>
+                                      </p:cBhvr>
+                                      <p:to x="100000" y="100000"/>
+                                    </p:animScale>
+                                  </p:childTnLst>
+                                </p:cTn>
+                              </p:par>
+                            </p:childTnLst>
+                          </p:cTn>
+                        </p:par>
+                      </p:childTnLst>
+                    </p:cTn>
+                  </p:par>
+                  <p:par>
+                    <p:cTn id="134" fill="hold">
+                      <p:stCondLst>
+                        <p:cond delay="indefinite"/>
+                      </p:stCondLst>
+                      <p:childTnLst>
+                        <p:par>
+                          <p:cTn id="135" fill="hold">
+                            <p:stCondLst>
+                              <p:cond delay="0"/>
+                            </p:stCondLst>
+                            <p:childTnLst>
+                              <p:par>
+                                <p:cTn id="136" presetID="26" presetClass="entr" presetSubtype="0" fill="hold" grpId="0" nodeType="clickEffect">
+                                  <p:stCondLst>
+                                    <p:cond delay="0"/>
+                                  </p:stCondLst>
+                                  <p:childTnLst>
+                                    <p:set>
+                                      <p:cBhvr>
+                                        <p:cTn id="137" dur="1" fill="hold">
+                                          <p:stCondLst>
+                                            <p:cond delay="0"/>
+                                          </p:stCondLst>
+                                        </p:cTn>
+                                        <p:tgtEl>
+                                          <p:spTgt spid="4">
+                                            <p:txEl>
+                                              <p:pRg st="7" end="7"/>
+                                            </p:txEl>
+                                          </p:spTgt>
+                                        </p:tgtEl>
+                                        <p:attrNameLst>
+                                          <p:attrName>style.visibility</p:attrName>
+                                        </p:attrNameLst>
+                                      </p:cBhvr>
+                                      <p:to>
+                                        <p:strVal val="visible"/>
+                                      </p:to>
+                                    </p:set>
+                                    <p:animEffect transition="in" filter="wipe(down)">
+                                      <p:cBhvr>
+                                        <p:cTn id="138" dur="580">
+                                          <p:stCondLst>
+                                            <p:cond delay="0"/>
+                                          </p:stCondLst>
+                                        </p:cTn>
+                                        <p:tgtEl>
+                                          <p:spTgt spid="4">
+                                            <p:txEl>
+                                              <p:pRg st="7" end="7"/>
+                                            </p:txEl>
+                                          </p:spTgt>
+                                        </p:tgtEl>
+                                      </p:cBhvr>
+                                    </p:animEffect>
+                                    <p:anim calcmode="lin" valueType="num">
+                                      <p:cBhvr>
+                                        <p:cTn id="139" dur="1822" tmFilter="0,0; 0.14,0.36; 0.43,0.73; 0.71,0.91; 1.0,1.0">
+                                          <p:stCondLst>
+                                            <p:cond delay="0"/>
+                                          </p:stCondLst>
+                                        </p:cTn>
+                                        <p:tgtEl>
+                                          <p:spTgt spid="4">
+                                            <p:txEl>
+                                              <p:pRg st="7" end="7"/>
+                                            </p:txEl>
+                                          </p:spTgt>
+                                        </p:tgtEl>
+                                        <p:attrNameLst>
+                                          <p:attrName>ppt_x</p:attrName>
+                                        </p:attrNameLst>
+                                      </p:cBhvr>
+                                      <p:tavLst>
+                                        <p:tav tm="0">
+                                          <p:val>
+                                            <p:strVal val="#ppt_x-0.25"/>
+                                          </p:val>
+                                        </p:tav>
+                                        <p:tav tm="100000">
+                                          <p:val>
+                                            <p:strVal val="#ppt_x"/>
+                                          </p:val>
+                                        </p:tav>
+                                      </p:tavLst>
+                                    </p:anim>
+                                    <p:anim calcmode="lin" valueType="num">
+                                      <p:cBhvr>
+                                        <p:cTn id="140" dur="664" tmFilter="0.0,0.0; 0.25,0.07; 0.50,0.2; 0.75,0.467; 1.0,1.0">
+                                          <p:stCondLst>
+                                            <p:cond delay="0"/>
+                                          </p:stCondLst>
+                                        </p:cTn>
+                                        <p:tgtEl>
+                                          <p:spTgt spid="4">
+                                            <p:txEl>
+                                              <p:pRg st="7" end="7"/>
+                                            </p:txEl>
+                                          </p:spTgt>
+                                        </p:tgtEl>
+                                        <p:attrNameLst>
+                                          <p:attrName>ppt_y</p:attrName>
+                                        </p:attrNameLst>
+                                      </p:cBhvr>
+                                      <p:tavLst>
+                                        <p:tav tm="0" fmla="#ppt_y-sin(pi*$)/3">
+                                          <p:val>
+                                            <p:fltVal val="0.5"/>
+                                          </p:val>
+                                        </p:tav>
+                                        <p:tav tm="100000">
+                                          <p:val>
+                                            <p:fltVal val="1"/>
+                                          </p:val>
+                                        </p:tav>
+                                      </p:tavLst>
+                                    </p:anim>
+                                    <p:anim calcmode="lin" valueType="num">
+                                      <p:cBhvr>
+                                        <p:cTn id="141" dur="664" tmFilter="0, 0; 0.125,0.2665; 0.25,0.4; 0.375,0.465; 0.5,0.5;  0.625,0.535; 0.75,0.6; 0.875,0.7335; 1,1">
+                                          <p:stCondLst>
+                                            <p:cond delay="664"/>
+                                          </p:stCondLst>
+                                        </p:cTn>
+                                        <p:tgtEl>
+                                          <p:spTgt spid="4">
+                                            <p:txEl>
+                                              <p:pRg st="7" end="7"/>
+                                            </p:txEl>
+                                          </p:spTgt>
+                                        </p:tgtEl>
+                                        <p:attrNameLst>
+                                          <p:attrName>ppt_y</p:attrName>
+                                        </p:attrNameLst>
+                                      </p:cBhvr>
+                                      <p:tavLst>
+                                        <p:tav tm="0" fmla="#ppt_y-sin(pi*$)/9">
+                                          <p:val>
+                                            <p:fltVal val="0"/>
+                                          </p:val>
+                                        </p:tav>
+                                        <p:tav tm="100000">
+                                          <p:val>
+                                            <p:fltVal val="1"/>
+                                          </p:val>
+                                        </p:tav>
+                                      </p:tavLst>
+                                    </p:anim>
+                                    <p:anim calcmode="lin" valueType="num">
+                                      <p:cBhvr>
+                                        <p:cTn id="142" dur="332" tmFilter="0, 0; 0.125,0.2665; 0.25,0.4; 0.375,0.465; 0.5,0.5;  0.625,0.535; 0.75,0.6; 0.875,0.7335; 1,1">
+                                          <p:stCondLst>
+                                            <p:cond delay="1324"/>
+                                          </p:stCondLst>
+                                        </p:cTn>
+                                        <p:tgtEl>
+                                          <p:spTgt spid="4">
+                                            <p:txEl>
+                                              <p:pRg st="7" end="7"/>
+                                            </p:txEl>
+                                          </p:spTgt>
+                                        </p:tgtEl>
+                                        <p:attrNameLst>
+                                          <p:attrName>ppt_y</p:attrName>
+                                        </p:attrNameLst>
+                                      </p:cBhvr>
+                                      <p:tavLst>
+                                        <p:tav tm="0" fmla="#ppt_y-sin(pi*$)/27">
+                                          <p:val>
+                                            <p:fltVal val="0"/>
+                                          </p:val>
+                                        </p:tav>
+                                        <p:tav tm="100000">
+                                          <p:val>
+                                            <p:fltVal val="1"/>
+                                          </p:val>
+                                        </p:tav>
+                                      </p:tavLst>
+                                    </p:anim>
+                                    <p:anim calcmode="lin" valueType="num">
+                                      <p:cBhvr>
+                                        <p:cTn id="143" dur="164" tmFilter="0, 0; 0.125,0.2665; 0.25,0.4; 0.375,0.465; 0.5,0.5;  0.625,0.535; 0.75,0.6; 0.875,0.7335; 1,1">
+                                          <p:stCondLst>
+                                            <p:cond delay="1656"/>
+                                          </p:stCondLst>
+                                        </p:cTn>
+                                        <p:tgtEl>
+                                          <p:spTgt spid="4">
+                                            <p:txEl>
+                                              <p:pRg st="7" end="7"/>
+                                            </p:txEl>
+                                          </p:spTgt>
+                                        </p:tgtEl>
+                                        <p:attrNameLst>
+                                          <p:attrName>ppt_y</p:attrName>
+                                        </p:attrNameLst>
+                                      </p:cBhvr>
+                                      <p:tavLst>
+                                        <p:tav tm="0" fmla="#ppt_y-sin(pi*$)/81">
+                                          <p:val>
+                                            <p:fltVal val="0"/>
+                                          </p:val>
+                                        </p:tav>
+                                        <p:tav tm="100000">
+                                          <p:val>
+                                            <p:fltVal val="1"/>
+                                          </p:val>
+                                        </p:tav>
+                                      </p:tavLst>
+                                    </p:anim>
+                                    <p:animScale>
+                                      <p:cBhvr>
+                                        <p:cTn id="144" dur="26">
+                                          <p:stCondLst>
+                                            <p:cond delay="650"/>
+                                          </p:stCondLst>
+                                        </p:cTn>
+                                        <p:tgtEl>
+                                          <p:spTgt spid="4">
+                                            <p:txEl>
+                                              <p:pRg st="7" end="7"/>
+                                            </p:txEl>
+                                          </p:spTgt>
+                                        </p:tgtEl>
+                                      </p:cBhvr>
+                                      <p:to x="100000" y="60000"/>
+                                    </p:animScale>
+                                    <p:animScale>
+                                      <p:cBhvr>
+                                        <p:cTn id="145" dur="166" decel="50000">
+                                          <p:stCondLst>
+                                            <p:cond delay="676"/>
+                                          </p:stCondLst>
+                                        </p:cTn>
+                                        <p:tgtEl>
+                                          <p:spTgt spid="4">
+                                            <p:txEl>
+                                              <p:pRg st="7" end="7"/>
+                                            </p:txEl>
+                                          </p:spTgt>
+                                        </p:tgtEl>
+                                      </p:cBhvr>
+                                      <p:to x="100000" y="100000"/>
+                                    </p:animScale>
+                                    <p:animScale>
+                                      <p:cBhvr>
+                                        <p:cTn id="146" dur="26">
+                                          <p:stCondLst>
+                                            <p:cond delay="1312"/>
+                                          </p:stCondLst>
+                                        </p:cTn>
+                                        <p:tgtEl>
+                                          <p:spTgt spid="4">
+                                            <p:txEl>
+                                              <p:pRg st="7" end="7"/>
+                                            </p:txEl>
+                                          </p:spTgt>
+                                        </p:tgtEl>
+                                      </p:cBhvr>
+                                      <p:to x="100000" y="80000"/>
+                                    </p:animScale>
+                                    <p:animScale>
+                                      <p:cBhvr>
+                                        <p:cTn id="147" dur="166" decel="50000">
+                                          <p:stCondLst>
+                                            <p:cond delay="1338"/>
+                                          </p:stCondLst>
+                                        </p:cTn>
+                                        <p:tgtEl>
+                                          <p:spTgt spid="4">
+                                            <p:txEl>
+                                              <p:pRg st="7" end="7"/>
+                                            </p:txEl>
+                                          </p:spTgt>
+                                        </p:tgtEl>
+                                      </p:cBhvr>
+                                      <p:to x="100000" y="100000"/>
+                                    </p:animScale>
+                                    <p:animScale>
+                                      <p:cBhvr>
+                                        <p:cTn id="148" dur="26">
+                                          <p:stCondLst>
+                                            <p:cond delay="1642"/>
+                                          </p:stCondLst>
+                                        </p:cTn>
+                                        <p:tgtEl>
+                                          <p:spTgt spid="4">
+                                            <p:txEl>
+                                              <p:pRg st="7" end="7"/>
+                                            </p:txEl>
+                                          </p:spTgt>
+                                        </p:tgtEl>
+                                      </p:cBhvr>
+                                      <p:to x="100000" y="90000"/>
+                                    </p:animScale>
+                                    <p:animScale>
+                                      <p:cBhvr>
+                                        <p:cTn id="149" dur="166" decel="50000">
+                                          <p:stCondLst>
+                                            <p:cond delay="1668"/>
+                                          </p:stCondLst>
+                                        </p:cTn>
+                                        <p:tgtEl>
+                                          <p:spTgt spid="4">
+                                            <p:txEl>
+                                              <p:pRg st="7" end="7"/>
+                                            </p:txEl>
+                                          </p:spTgt>
+                                        </p:tgtEl>
+                                      </p:cBhvr>
+                                      <p:to x="100000" y="100000"/>
+                                    </p:animScale>
+                                    <p:animScale>
+                                      <p:cBhvr>
+                                        <p:cTn id="150" dur="26">
+                                          <p:stCondLst>
+                                            <p:cond delay="1808"/>
+                                          </p:stCondLst>
+                                        </p:cTn>
+                                        <p:tgtEl>
+                                          <p:spTgt spid="4">
+                                            <p:txEl>
+                                              <p:pRg st="7" end="7"/>
+                                            </p:txEl>
+                                          </p:spTgt>
+                                        </p:tgtEl>
+                                      </p:cBhvr>
+                                      <p:to x="100000" y="95000"/>
+                                    </p:animScale>
+                                    <p:animScale>
+                                      <p:cBhvr>
+                                        <p:cTn id="151" dur="166" decel="50000">
+                                          <p:stCondLst>
+                                            <p:cond delay="1834"/>
+                                          </p:stCondLst>
+                                        </p:cTn>
+                                        <p:tgtEl>
+                                          <p:spTgt spid="4">
+                                            <p:txEl>
+                                              <p:pRg st="7" end="7"/>
+                                            </p:txEl>
+                                          </p:spTgt>
+                                        </p:tgtEl>
+                                      </p:cBhvr>
+                                      <p:to x="100000" y="100000"/>
+                                    </p:animScale>
+                                  </p:childTnLst>
+                                </p:cTn>
+                              </p:par>
+                            </p:childTnLst>
+                          </p:cTn>
+                        </p:par>
+                      </p:childTnLst>
+                    </p:cTn>
+                  </p:par>
+                  <p:par>
+                    <p:cTn id="152" fill="hold">
+                      <p:stCondLst>
+                        <p:cond delay="indefinite"/>
+                      </p:stCondLst>
+                      <p:childTnLst>
+                        <p:par>
+                          <p:cTn id="153" fill="hold">
+                            <p:stCondLst>
+                              <p:cond delay="0"/>
+                            </p:stCondLst>
+                            <p:childTnLst>
+                              <p:par>
+                                <p:cTn id="154" presetID="26" presetClass="entr" presetSubtype="0" fill="hold" grpId="0" nodeType="clickEffect">
+                                  <p:stCondLst>
+                                    <p:cond delay="0"/>
+                                  </p:stCondLst>
+                                  <p:childTnLst>
+                                    <p:set>
+                                      <p:cBhvr>
+                                        <p:cTn id="155" dur="1" fill="hold">
+                                          <p:stCondLst>
+                                            <p:cond delay="0"/>
+                                          </p:stCondLst>
+                                        </p:cTn>
+                                        <p:tgtEl>
+                                          <p:spTgt spid="4">
+                                            <p:txEl>
+                                              <p:pRg st="8" end="8"/>
+                                            </p:txEl>
+                                          </p:spTgt>
+                                        </p:tgtEl>
+                                        <p:attrNameLst>
+                                          <p:attrName>style.visibility</p:attrName>
+                                        </p:attrNameLst>
+                                      </p:cBhvr>
+                                      <p:to>
+                                        <p:strVal val="visible"/>
+                                      </p:to>
+                                    </p:set>
+                                    <p:animEffect transition="in" filter="wipe(down)">
+                                      <p:cBhvr>
+                                        <p:cTn id="156" dur="580">
+                                          <p:stCondLst>
+                                            <p:cond delay="0"/>
+                                          </p:stCondLst>
+                                        </p:cTn>
+                                        <p:tgtEl>
+                                          <p:spTgt spid="4">
+                                            <p:txEl>
+                                              <p:pRg st="8" end="8"/>
+                                            </p:txEl>
+                                          </p:spTgt>
+                                        </p:tgtEl>
+                                      </p:cBhvr>
+                                    </p:animEffect>
+                                    <p:anim calcmode="lin" valueType="num">
+                                      <p:cBhvr>
+                                        <p:cTn id="157" dur="1822" tmFilter="0,0; 0.14,0.36; 0.43,0.73; 0.71,0.91; 1.0,1.0">
+                                          <p:stCondLst>
+                                            <p:cond delay="0"/>
+                                          </p:stCondLst>
+                                        </p:cTn>
+                                        <p:tgtEl>
+                                          <p:spTgt spid="4">
+                                            <p:txEl>
+                                              <p:pRg st="8" end="8"/>
+                                            </p:txEl>
+                                          </p:spTgt>
+                                        </p:tgtEl>
+                                        <p:attrNameLst>
+                                          <p:attrName>ppt_x</p:attrName>
+                                        </p:attrNameLst>
+                                      </p:cBhvr>
+                                      <p:tavLst>
+                                        <p:tav tm="0">
+                                          <p:val>
+                                            <p:strVal val="#ppt_x-0.25"/>
+                                          </p:val>
+                                        </p:tav>
+                                        <p:tav tm="100000">
+                                          <p:val>
+                                            <p:strVal val="#ppt_x"/>
+                                          </p:val>
+                                        </p:tav>
+                                      </p:tavLst>
+                                    </p:anim>
+                                    <p:anim calcmode="lin" valueType="num">
+                                      <p:cBhvr>
+                                        <p:cTn id="158" dur="664" tmFilter="0.0,0.0; 0.25,0.07; 0.50,0.2; 0.75,0.467; 1.0,1.0">
+                                          <p:stCondLst>
+                                            <p:cond delay="0"/>
+                                          </p:stCondLst>
+                                        </p:cTn>
+                                        <p:tgtEl>
+                                          <p:spTgt spid="4">
+                                            <p:txEl>
+                                              <p:pRg st="8" end="8"/>
+                                            </p:txEl>
+                                          </p:spTgt>
+                                        </p:tgtEl>
+                                        <p:attrNameLst>
+                                          <p:attrName>ppt_y</p:attrName>
+                                        </p:attrNameLst>
+                                      </p:cBhvr>
+                                      <p:tavLst>
+                                        <p:tav tm="0" fmla="#ppt_y-sin(pi*$)/3">
+                                          <p:val>
+                                            <p:fltVal val="0.5"/>
+                                          </p:val>
+                                        </p:tav>
+                                        <p:tav tm="100000">
+                                          <p:val>
+                                            <p:fltVal val="1"/>
+                                          </p:val>
+                                        </p:tav>
+                                      </p:tavLst>
+                                    </p:anim>
+                                    <p:anim calcmode="lin" valueType="num">
+                                      <p:cBhvr>
+                                        <p:cTn id="159" dur="664" tmFilter="0, 0; 0.125,0.2665; 0.25,0.4; 0.375,0.465; 0.5,0.5;  0.625,0.535; 0.75,0.6; 0.875,0.7335; 1,1">
+                                          <p:stCondLst>
+                                            <p:cond delay="664"/>
+                                          </p:stCondLst>
+                                        </p:cTn>
+                                        <p:tgtEl>
+                                          <p:spTgt spid="4">
+                                            <p:txEl>
+                                              <p:pRg st="8" end="8"/>
+                                            </p:txEl>
+                                          </p:spTgt>
+                                        </p:tgtEl>
+                                        <p:attrNameLst>
+                                          <p:attrName>ppt_y</p:attrName>
+                                        </p:attrNameLst>
+                                      </p:cBhvr>
+                                      <p:tavLst>
+                                        <p:tav tm="0" fmla="#ppt_y-sin(pi*$)/9">
+                                          <p:val>
+                                            <p:fltVal val="0"/>
+                                          </p:val>
+                                        </p:tav>
+                                        <p:tav tm="100000">
+                                          <p:val>
+                                            <p:fltVal val="1"/>
+                                          </p:val>
+                                        </p:tav>
+                                      </p:tavLst>
+                                    </p:anim>
+                                    <p:anim calcmode="lin" valueType="num">
+                                      <p:cBhvr>
+                                        <p:cTn id="160" dur="332" tmFilter="0, 0; 0.125,0.2665; 0.25,0.4; 0.375,0.465; 0.5,0.5;  0.625,0.535; 0.75,0.6; 0.875,0.7335; 1,1">
+                                          <p:stCondLst>
+                                            <p:cond delay="1324"/>
+                                          </p:stCondLst>
+                                        </p:cTn>
+                                        <p:tgtEl>
+                                          <p:spTgt spid="4">
+                                            <p:txEl>
+                                              <p:pRg st="8" end="8"/>
+                                            </p:txEl>
+                                          </p:spTgt>
+                                        </p:tgtEl>
+                                        <p:attrNameLst>
+                                          <p:attrName>ppt_y</p:attrName>
+                                        </p:attrNameLst>
+                                      </p:cBhvr>
+                                      <p:tavLst>
+                                        <p:tav tm="0" fmla="#ppt_y-sin(pi*$)/27">
+                                          <p:val>
+                                            <p:fltVal val="0"/>
+                                          </p:val>
+                                        </p:tav>
+                                        <p:tav tm="100000">
+                                          <p:val>
+                                            <p:fltVal val="1"/>
+                                          </p:val>
+                                        </p:tav>
+                                      </p:tavLst>
+                                    </p:anim>
+                                    <p:anim calcmode="lin" valueType="num">
+                                      <p:cBhvr>
+                                        <p:cTn id="161" dur="164" tmFilter="0, 0; 0.125,0.2665; 0.25,0.4; 0.375,0.465; 0.5,0.5;  0.625,0.535; 0.75,0.6; 0.875,0.7335; 1,1">
+                                          <p:stCondLst>
+                                            <p:cond delay="1656"/>
+                                          </p:stCondLst>
+                                        </p:cTn>
+                                        <p:tgtEl>
+                                          <p:spTgt spid="4">
+                                            <p:txEl>
+                                              <p:pRg st="8" end="8"/>
+                                            </p:txEl>
+                                          </p:spTgt>
+                                        </p:tgtEl>
+                                        <p:attrNameLst>
+                                          <p:attrName>ppt_y</p:attrName>
+                                        </p:attrNameLst>
+                                      </p:cBhvr>
+                                      <p:tavLst>
+                                        <p:tav tm="0" fmla="#ppt_y-sin(pi*$)/81">
+                                          <p:val>
+                                            <p:fltVal val="0"/>
+                                          </p:val>
+                                        </p:tav>
+                                        <p:tav tm="100000">
+                                          <p:val>
+                                            <p:fltVal val="1"/>
+                                          </p:val>
+                                        </p:tav>
+                                      </p:tavLst>
+                                    </p:anim>
+                                    <p:animScale>
+                                      <p:cBhvr>
+                                        <p:cTn id="162" dur="26">
+                                          <p:stCondLst>
+                                            <p:cond delay="650"/>
+                                          </p:stCondLst>
+                                        </p:cTn>
+                                        <p:tgtEl>
+                                          <p:spTgt spid="4">
+                                            <p:txEl>
+                                              <p:pRg st="8" end="8"/>
+                                            </p:txEl>
+                                          </p:spTgt>
+                                        </p:tgtEl>
+                                      </p:cBhvr>
+                                      <p:to x="100000" y="60000"/>
+                                    </p:animScale>
+                                    <p:animScale>
+                                      <p:cBhvr>
+                                        <p:cTn id="163" dur="166" decel="50000">
+                                          <p:stCondLst>
+                                            <p:cond delay="676"/>
+                                          </p:stCondLst>
+                                        </p:cTn>
+                                        <p:tgtEl>
+                                          <p:spTgt spid="4">
+                                            <p:txEl>
+                                              <p:pRg st="8" end="8"/>
+                                            </p:txEl>
+                                          </p:spTgt>
+                                        </p:tgtEl>
+                                      </p:cBhvr>
+                                      <p:to x="100000" y="100000"/>
+                                    </p:animScale>
+                                    <p:animScale>
+                                      <p:cBhvr>
+                                        <p:cTn id="164" dur="26">
+                                          <p:stCondLst>
+                                            <p:cond delay="1312"/>
+                                          </p:stCondLst>
+                                        </p:cTn>
+                                        <p:tgtEl>
+                                          <p:spTgt spid="4">
+                                            <p:txEl>
+                                              <p:pRg st="8" end="8"/>
+                                            </p:txEl>
+                                          </p:spTgt>
+                                        </p:tgtEl>
+                                      </p:cBhvr>
+                                      <p:to x="100000" y="80000"/>
+                                    </p:animScale>
+                                    <p:animScale>
+                                      <p:cBhvr>
+                                        <p:cTn id="165" dur="166" decel="50000">
+                                          <p:stCondLst>
+                                            <p:cond delay="1338"/>
+                                          </p:stCondLst>
+                                        </p:cTn>
+                                        <p:tgtEl>
+                                          <p:spTgt spid="4">
+                                            <p:txEl>
+                                              <p:pRg st="8" end="8"/>
+                                            </p:txEl>
+                                          </p:spTgt>
+                                        </p:tgtEl>
+                                      </p:cBhvr>
+                                      <p:to x="100000" y="100000"/>
+                                    </p:animScale>
+                                    <p:animScale>
+                                      <p:cBhvr>
+                                        <p:cTn id="166" dur="26">
+                                          <p:stCondLst>
+                                            <p:cond delay="1642"/>
+                                          </p:stCondLst>
+                                        </p:cTn>
+                                        <p:tgtEl>
+                                          <p:spTgt spid="4">
+                                            <p:txEl>
+                                              <p:pRg st="8" end="8"/>
+                                            </p:txEl>
+                                          </p:spTgt>
+                                        </p:tgtEl>
+                                      </p:cBhvr>
+                                      <p:to x="100000" y="90000"/>
+                                    </p:animScale>
+                                    <p:animScale>
+                                      <p:cBhvr>
+                                        <p:cTn id="167" dur="166" decel="50000">
+                                          <p:stCondLst>
+                                            <p:cond delay="1668"/>
+                                          </p:stCondLst>
+                                        </p:cTn>
+                                        <p:tgtEl>
+                                          <p:spTgt spid="4">
+                                            <p:txEl>
+                                              <p:pRg st="8" end="8"/>
+                                            </p:txEl>
+                                          </p:spTgt>
+                                        </p:tgtEl>
+                                      </p:cBhvr>
+                                      <p:to x="100000" y="100000"/>
+                                    </p:animScale>
+                                    <p:animScale>
+                                      <p:cBhvr>
+                                        <p:cTn id="168" dur="26">
+                                          <p:stCondLst>
+                                            <p:cond delay="1808"/>
+                                          </p:stCondLst>
+                                        </p:cTn>
+                                        <p:tgtEl>
+                                          <p:spTgt spid="4">
+                                            <p:txEl>
+                                              <p:pRg st="8" end="8"/>
+                                            </p:txEl>
+                                          </p:spTgt>
+                                        </p:tgtEl>
+                                      </p:cBhvr>
+                                      <p:to x="100000" y="95000"/>
+                                    </p:animScale>
+                                    <p:animScale>
+                                      <p:cBhvr>
+                                        <p:cTn id="169" dur="166" decel="50000">
+                                          <p:stCondLst>
+                                            <p:cond delay="1834"/>
+                                          </p:stCondLst>
+                                        </p:cTn>
+                                        <p:tgtEl>
+                                          <p:spTgt spid="4">
+                                            <p:txEl>
+                                              <p:pRg st="8" end="8"/>
                                             </p:txEl>
                                           </p:spTgt>
                                         </p:tgtEl>
@@ -14487,21 +15265,20 @@
           <p:nvPr/>
         </p:nvPicPr>
         <p:blipFill>
-          <a:blip r:embed="rId3" cstate="print">
+          <a:blip r:embed="rId3">
             <a:extLst>
               <a:ext uri="{28A0092B-C50C-407E-A947-70E740481C1C}">
                 <a14:useLocalDpi xmlns:a14="http://schemas.microsoft.com/office/drawing/2010/main" val="0"/>
               </a:ext>
             </a:extLst>
           </a:blip>
-          <a:stretch>
-            <a:fillRect/>
-          </a:stretch>
+          <a:srcRect t="1256" b="1256"/>
+          <a:stretch/>
         </p:blipFill>
         <p:spPr>
           <a:xfrm>
-            <a:off x="1827212" y="2140792"/>
-            <a:ext cx="9143919" cy="3805535"/>
+            <a:off x="1827212" y="1981200"/>
+            <a:ext cx="9143919" cy="4572000"/>
           </a:xfrm>
           <a:prstGeom prst="round2DiagRect">
             <a:avLst>
@@ -14894,8 +15671,8 @@
         </p:nvSpPr>
         <p:spPr>
           <a:xfrm>
-            <a:off x="2055812" y="1926054"/>
-            <a:ext cx="9102145" cy="3357137"/>
+            <a:off x="1743392" y="1746965"/>
+            <a:ext cx="9102145" cy="3730317"/>
           </a:xfrm>
           <a:prstGeom prst="rect">
             <a:avLst/>
@@ -14924,7 +15701,7 @@
               </a:buBlip>
             </a:pPr>
             <a:r>
-              <a:rPr lang="en-US" dirty="0">
+              <a:rPr lang="en-US" sz="2000" dirty="0">
                 <a:solidFill>
                   <a:srgbClr val="000000"/>
                 </a:solidFill>
@@ -14939,9 +15716,9 @@
                 <a:ea typeface="Calibri" panose="020F0502020204030204" pitchFamily="34" charset="0"/>
                 <a:cs typeface="Vrinda" panose="020B0502040204020203" pitchFamily="34" charset="0"/>
               </a:rPr>
-              <a:t>Arduino Nano R3 x 1 				-650 TK</a:t>
+              <a:t>Arduino Uno R3 x 1 				-650 TK</a:t>
             </a:r>
-            <a:endParaRPr lang="en-US" dirty="0">
+            <a:endParaRPr lang="en-US" sz="2000" dirty="0">
               <a:latin typeface="Calibri" panose="020F0502020204030204" pitchFamily="34" charset="0"/>
               <a:ea typeface="Calibri" panose="020F0502020204030204" pitchFamily="34" charset="0"/>
               <a:cs typeface="Vrinda" panose="020B0502040204020203" pitchFamily="34" charset="0"/>
@@ -14964,7 +15741,7 @@
               </a:buBlip>
             </a:pPr>
             <a:r>
-              <a:rPr lang="en-US" dirty="0">
+              <a:rPr lang="en-US" sz="2000" dirty="0">
                 <a:solidFill>
                   <a:srgbClr val="000000"/>
                 </a:solidFill>
@@ -14979,9 +15756,9 @@
                 <a:ea typeface="Calibri" panose="020F0502020204030204" pitchFamily="34" charset="0"/>
                 <a:cs typeface="Vrinda" panose="020B0502040204020203" pitchFamily="34" charset="0"/>
               </a:rPr>
-              <a:t>Adafruit Standard LCD - 16x2 White on Blue x 1	-250 TK</a:t>
+              <a:t>Standard LCD Display - 16x2 White on Blue x 1		-250 TK</a:t>
             </a:r>
-            <a:endParaRPr lang="en-US" dirty="0">
+            <a:endParaRPr lang="en-US" sz="2000" dirty="0">
               <a:latin typeface="Calibri" panose="020F0502020204030204" pitchFamily="34" charset="0"/>
               <a:ea typeface="Calibri" panose="020F0502020204030204" pitchFamily="34" charset="0"/>
               <a:cs typeface="Vrinda" panose="020B0502040204020203" pitchFamily="34" charset="0"/>
@@ -15004,7 +15781,7 @@
               </a:buBlip>
             </a:pPr>
             <a:r>
-              <a:rPr lang="en-US" dirty="0">
+              <a:rPr lang="en-US" sz="2000" dirty="0">
                 <a:solidFill>
                   <a:srgbClr val="000000"/>
                 </a:solidFill>
@@ -15019,9 +15796,9 @@
                 <a:ea typeface="Calibri" panose="020F0502020204030204" pitchFamily="34" charset="0"/>
                 <a:cs typeface="Vrinda" panose="020B0502040204020203" pitchFamily="34" charset="0"/>
               </a:rPr>
-              <a:t>Ultrasonic Sensor - HC-SR04 (Generic) x 1		- 95 TK</a:t>
+              <a:t>Ultrasonic Sensor - HC-SR04 (Generic) x 1			- 95 TK</a:t>
             </a:r>
-            <a:endParaRPr lang="en-US" dirty="0">
+            <a:endParaRPr lang="en-US" sz="2000" dirty="0">
               <a:latin typeface="Calibri" panose="020F0502020204030204" pitchFamily="34" charset="0"/>
               <a:ea typeface="Calibri" panose="020F0502020204030204" pitchFamily="34" charset="0"/>
               <a:cs typeface="Vrinda" panose="020B0502040204020203" pitchFamily="34" charset="0"/>
@@ -15044,7 +15821,7 @@
               </a:buBlip>
             </a:pPr>
             <a:r>
-              <a:rPr lang="en-US" dirty="0">
+              <a:rPr lang="en-US" sz="2000" dirty="0">
                 <a:solidFill>
                   <a:srgbClr val="000000"/>
                 </a:solidFill>
@@ -15059,9 +15836,9 @@
                 <a:ea typeface="Calibri" panose="020F0502020204030204" pitchFamily="34" charset="0"/>
                 <a:cs typeface="Vrinda" panose="020B0502040204020203" pitchFamily="34" charset="0"/>
               </a:rPr>
-              <a:t>LED (generic) x 1				- 10 TK</a:t>
+              <a:t>LED (Red, Green) x 2				- 10 TK</a:t>
             </a:r>
-            <a:endParaRPr lang="en-US" dirty="0">
+            <a:endParaRPr lang="en-US" sz="2000" dirty="0">
               <a:latin typeface="Calibri" panose="020F0502020204030204" pitchFamily="34" charset="0"/>
               <a:ea typeface="Calibri" panose="020F0502020204030204" pitchFamily="34" charset="0"/>
               <a:cs typeface="Vrinda" panose="020B0502040204020203" pitchFamily="34" charset="0"/>
@@ -15084,7 +15861,7 @@
               </a:buBlip>
             </a:pPr>
             <a:r>
-              <a:rPr lang="en-US" dirty="0">
+              <a:rPr lang="en-US" sz="2000" dirty="0">
                 <a:solidFill>
                   <a:srgbClr val="000000"/>
                 </a:solidFill>
@@ -15099,9 +15876,9 @@
                 <a:ea typeface="Calibri" panose="020F0502020204030204" pitchFamily="34" charset="0"/>
                 <a:cs typeface="Vrinda" panose="020B0502040204020203" pitchFamily="34" charset="0"/>
               </a:rPr>
-              <a:t>Resistor 330-ohm x 1				-  5 TK</a:t>
+              <a:t>Resistor 100-ohm x 2				-  5 TK</a:t>
             </a:r>
-            <a:endParaRPr lang="en-US" dirty="0">
+            <a:endParaRPr lang="en-US" sz="2000" dirty="0">
               <a:latin typeface="Calibri" panose="020F0502020204030204" pitchFamily="34" charset="0"/>
               <a:ea typeface="Calibri" panose="020F0502020204030204" pitchFamily="34" charset="0"/>
               <a:cs typeface="Vrinda" panose="020B0502040204020203" pitchFamily="34" charset="0"/>
@@ -15124,7 +15901,7 @@
               </a:buBlip>
             </a:pPr>
             <a:r>
-              <a:rPr lang="en-US" dirty="0">
+              <a:rPr lang="en-US" sz="2000" dirty="0">
                 <a:solidFill>
                   <a:srgbClr val="000000"/>
                 </a:solidFill>
@@ -15139,13 +15916,78 @@
                 <a:ea typeface="Calibri" panose="020F0502020204030204" pitchFamily="34" charset="0"/>
                 <a:cs typeface="Vrinda" panose="020B0502040204020203" pitchFamily="34" charset="0"/>
               </a:rPr>
-              <a:t>Single Turn Potentiometer- 10k ohms x 1		- 30 TK</a:t>
+              <a:t>Single Turn Potentiometer- 10k ohms x 1			- 30 TK</a:t>
             </a:r>
-            <a:endParaRPr lang="en-US" dirty="0">
-              <a:latin typeface="Calibri" panose="020F0502020204030204" pitchFamily="34" charset="0"/>
-              <a:ea typeface="Calibri" panose="020F0502020204030204" pitchFamily="34" charset="0"/>
-              <a:cs typeface="Vrinda" panose="020B0502040204020203" pitchFamily="34" charset="0"/>
-            </a:endParaRPr>
+          </a:p>
+          <a:p>
+            <a:pPr marL="342900" marR="0" lvl="0" indent="-342900" algn="just">
+              <a:lnSpc>
+                <a:spcPct val="150000"/>
+              </a:lnSpc>
+              <a:spcBef>
+                <a:spcPts val="0"/>
+              </a:spcBef>
+              <a:spcAft>
+                <a:spcPts val="0"/>
+              </a:spcAft>
+              <a:buFont typeface="Symbol" panose="05050102010706020507" pitchFamily="18" charset="2"/>
+              <a:buBlip>
+                <a:blip r:embed="rId3"/>
+              </a:buBlip>
+            </a:pPr>
+            <a:r>
+              <a:rPr lang="en-US" sz="2000" dirty="0">
+                <a:solidFill>
+                  <a:srgbClr val="000000"/>
+                </a:solidFill>
+                <a:effectLst>
+                  <a:outerShdw blurRad="38100" dist="19050" dir="2700000" algn="tl">
+                    <a:schemeClr val="dk1">
+                      <a:alpha val="40000"/>
+                    </a:schemeClr>
+                  </a:outerShdw>
+                </a:effectLst>
+                <a:latin typeface="Times New Roman" panose="02020603050405020304" pitchFamily="18" charset="0"/>
+                <a:ea typeface="Calibri" panose="020F0502020204030204" pitchFamily="34" charset="0"/>
+                <a:cs typeface="Vrinda" panose="020B0502040204020203" pitchFamily="34" charset="0"/>
+              </a:rPr>
+              <a:t>Buzzer x 1					- 30 TK</a:t>
+            </a:r>
+          </a:p>
+          <a:p>
+            <a:pPr marL="342900" marR="0" lvl="0" indent="-342900" algn="just">
+              <a:lnSpc>
+                <a:spcPct val="150000"/>
+              </a:lnSpc>
+              <a:spcBef>
+                <a:spcPts val="0"/>
+              </a:spcBef>
+              <a:spcAft>
+                <a:spcPts val="0"/>
+              </a:spcAft>
+              <a:buFont typeface="Symbol" panose="05050102010706020507" pitchFamily="18" charset="2"/>
+              <a:buBlip>
+                <a:blip r:embed="rId3"/>
+              </a:buBlip>
+            </a:pPr>
+            <a:r>
+              <a:rPr lang="en-US" sz="2000" dirty="0">
+                <a:solidFill>
+                  <a:srgbClr val="000000"/>
+                </a:solidFill>
+                <a:effectLst>
+                  <a:outerShdw blurRad="38100" dist="19050" dir="2700000" algn="tl">
+                    <a:schemeClr val="dk1">
+                      <a:alpha val="40000"/>
+                    </a:schemeClr>
+                  </a:outerShdw>
+                </a:effectLst>
+                <a:latin typeface="Times New Roman" panose="02020603050405020304" pitchFamily="18" charset="0"/>
+                <a:ea typeface="Calibri" panose="020F0502020204030204" pitchFamily="34" charset="0"/>
+                <a:cs typeface="Vrinda" panose="020B0502040204020203" pitchFamily="34" charset="0"/>
+              </a:rPr>
+              <a:t>Button (Re-Check) x 1				- 30 TK</a:t>
+            </a:r>
           </a:p>
         </p:txBody>
       </p:sp>
@@ -15226,7 +16068,7 @@
         </p:nvSpPr>
         <p:spPr>
           <a:xfrm>
-            <a:off x="1430975" y="5345568"/>
+            <a:off x="1365584" y="5602037"/>
             <a:ext cx="9726981" cy="669542"/>
           </a:xfrm>
           <a:prstGeom prst="rect">
@@ -17502,7 +18344,719 @@
                             </p:stCondLst>
                             <p:childTnLst>
                               <p:par>
-                                <p:cTn id="118" presetID="18" presetClass="emph" presetSubtype="0" fill="hold" grpId="0" nodeType="clickEffect">
+                                <p:cTn id="118" presetID="26" presetClass="entr" presetSubtype="0" fill="hold" grpId="0" nodeType="clickEffect">
+                                  <p:stCondLst>
+                                    <p:cond delay="0"/>
+                                  </p:stCondLst>
+                                  <p:childTnLst>
+                                    <p:set>
+                                      <p:cBhvr>
+                                        <p:cTn id="119" dur="1" fill="hold">
+                                          <p:stCondLst>
+                                            <p:cond delay="0"/>
+                                          </p:stCondLst>
+                                        </p:cTn>
+                                        <p:tgtEl>
+                                          <p:spTgt spid="4">
+                                            <p:txEl>
+                                              <p:pRg st="6" end="6"/>
+                                            </p:txEl>
+                                          </p:spTgt>
+                                        </p:tgtEl>
+                                        <p:attrNameLst>
+                                          <p:attrName>style.visibility</p:attrName>
+                                        </p:attrNameLst>
+                                      </p:cBhvr>
+                                      <p:to>
+                                        <p:strVal val="visible"/>
+                                      </p:to>
+                                    </p:set>
+                                    <p:animEffect transition="in" filter="wipe(down)">
+                                      <p:cBhvr>
+                                        <p:cTn id="120" dur="580">
+                                          <p:stCondLst>
+                                            <p:cond delay="0"/>
+                                          </p:stCondLst>
+                                        </p:cTn>
+                                        <p:tgtEl>
+                                          <p:spTgt spid="4">
+                                            <p:txEl>
+                                              <p:pRg st="6" end="6"/>
+                                            </p:txEl>
+                                          </p:spTgt>
+                                        </p:tgtEl>
+                                      </p:cBhvr>
+                                    </p:animEffect>
+                                    <p:anim calcmode="lin" valueType="num">
+                                      <p:cBhvr>
+                                        <p:cTn id="121" dur="1822" tmFilter="0,0; 0.14,0.36; 0.43,0.73; 0.71,0.91; 1.0,1.0">
+                                          <p:stCondLst>
+                                            <p:cond delay="0"/>
+                                          </p:stCondLst>
+                                        </p:cTn>
+                                        <p:tgtEl>
+                                          <p:spTgt spid="4">
+                                            <p:txEl>
+                                              <p:pRg st="6" end="6"/>
+                                            </p:txEl>
+                                          </p:spTgt>
+                                        </p:tgtEl>
+                                        <p:attrNameLst>
+                                          <p:attrName>ppt_x</p:attrName>
+                                        </p:attrNameLst>
+                                      </p:cBhvr>
+                                      <p:tavLst>
+                                        <p:tav tm="0">
+                                          <p:val>
+                                            <p:strVal val="#ppt_x-0.25"/>
+                                          </p:val>
+                                        </p:tav>
+                                        <p:tav tm="100000">
+                                          <p:val>
+                                            <p:strVal val="#ppt_x"/>
+                                          </p:val>
+                                        </p:tav>
+                                      </p:tavLst>
+                                    </p:anim>
+                                    <p:anim calcmode="lin" valueType="num">
+                                      <p:cBhvr>
+                                        <p:cTn id="122" dur="664" tmFilter="0.0,0.0; 0.25,0.07; 0.50,0.2; 0.75,0.467; 1.0,1.0">
+                                          <p:stCondLst>
+                                            <p:cond delay="0"/>
+                                          </p:stCondLst>
+                                        </p:cTn>
+                                        <p:tgtEl>
+                                          <p:spTgt spid="4">
+                                            <p:txEl>
+                                              <p:pRg st="6" end="6"/>
+                                            </p:txEl>
+                                          </p:spTgt>
+                                        </p:tgtEl>
+                                        <p:attrNameLst>
+                                          <p:attrName>ppt_y</p:attrName>
+                                        </p:attrNameLst>
+                                      </p:cBhvr>
+                                      <p:tavLst>
+                                        <p:tav tm="0" fmla="#ppt_y-sin(pi*$)/3">
+                                          <p:val>
+                                            <p:fltVal val="0.5"/>
+                                          </p:val>
+                                        </p:tav>
+                                        <p:tav tm="100000">
+                                          <p:val>
+                                            <p:fltVal val="1"/>
+                                          </p:val>
+                                        </p:tav>
+                                      </p:tavLst>
+                                    </p:anim>
+                                    <p:anim calcmode="lin" valueType="num">
+                                      <p:cBhvr>
+                                        <p:cTn id="123" dur="664" tmFilter="0, 0; 0.125,0.2665; 0.25,0.4; 0.375,0.465; 0.5,0.5;  0.625,0.535; 0.75,0.6; 0.875,0.7335; 1,1">
+                                          <p:stCondLst>
+                                            <p:cond delay="664"/>
+                                          </p:stCondLst>
+                                        </p:cTn>
+                                        <p:tgtEl>
+                                          <p:spTgt spid="4">
+                                            <p:txEl>
+                                              <p:pRg st="6" end="6"/>
+                                            </p:txEl>
+                                          </p:spTgt>
+                                        </p:tgtEl>
+                                        <p:attrNameLst>
+                                          <p:attrName>ppt_y</p:attrName>
+                                        </p:attrNameLst>
+                                      </p:cBhvr>
+                                      <p:tavLst>
+                                        <p:tav tm="0" fmla="#ppt_y-sin(pi*$)/9">
+                                          <p:val>
+                                            <p:fltVal val="0"/>
+                                          </p:val>
+                                        </p:tav>
+                                        <p:tav tm="100000">
+                                          <p:val>
+                                            <p:fltVal val="1"/>
+                                          </p:val>
+                                        </p:tav>
+                                      </p:tavLst>
+                                    </p:anim>
+                                    <p:anim calcmode="lin" valueType="num">
+                                      <p:cBhvr>
+                                        <p:cTn id="124" dur="332" tmFilter="0, 0; 0.125,0.2665; 0.25,0.4; 0.375,0.465; 0.5,0.5;  0.625,0.535; 0.75,0.6; 0.875,0.7335; 1,1">
+                                          <p:stCondLst>
+                                            <p:cond delay="1324"/>
+                                          </p:stCondLst>
+                                        </p:cTn>
+                                        <p:tgtEl>
+                                          <p:spTgt spid="4">
+                                            <p:txEl>
+                                              <p:pRg st="6" end="6"/>
+                                            </p:txEl>
+                                          </p:spTgt>
+                                        </p:tgtEl>
+                                        <p:attrNameLst>
+                                          <p:attrName>ppt_y</p:attrName>
+                                        </p:attrNameLst>
+                                      </p:cBhvr>
+                                      <p:tavLst>
+                                        <p:tav tm="0" fmla="#ppt_y-sin(pi*$)/27">
+                                          <p:val>
+                                            <p:fltVal val="0"/>
+                                          </p:val>
+                                        </p:tav>
+                                        <p:tav tm="100000">
+                                          <p:val>
+                                            <p:fltVal val="1"/>
+                                          </p:val>
+                                        </p:tav>
+                                      </p:tavLst>
+                                    </p:anim>
+                                    <p:anim calcmode="lin" valueType="num">
+                                      <p:cBhvr>
+                                        <p:cTn id="125" dur="164" tmFilter="0, 0; 0.125,0.2665; 0.25,0.4; 0.375,0.465; 0.5,0.5;  0.625,0.535; 0.75,0.6; 0.875,0.7335; 1,1">
+                                          <p:stCondLst>
+                                            <p:cond delay="1656"/>
+                                          </p:stCondLst>
+                                        </p:cTn>
+                                        <p:tgtEl>
+                                          <p:spTgt spid="4">
+                                            <p:txEl>
+                                              <p:pRg st="6" end="6"/>
+                                            </p:txEl>
+                                          </p:spTgt>
+                                        </p:tgtEl>
+                                        <p:attrNameLst>
+                                          <p:attrName>ppt_y</p:attrName>
+                                        </p:attrNameLst>
+                                      </p:cBhvr>
+                                      <p:tavLst>
+                                        <p:tav tm="0" fmla="#ppt_y-sin(pi*$)/81">
+                                          <p:val>
+                                            <p:fltVal val="0"/>
+                                          </p:val>
+                                        </p:tav>
+                                        <p:tav tm="100000">
+                                          <p:val>
+                                            <p:fltVal val="1"/>
+                                          </p:val>
+                                        </p:tav>
+                                      </p:tavLst>
+                                    </p:anim>
+                                    <p:animScale>
+                                      <p:cBhvr>
+                                        <p:cTn id="126" dur="26">
+                                          <p:stCondLst>
+                                            <p:cond delay="650"/>
+                                          </p:stCondLst>
+                                        </p:cTn>
+                                        <p:tgtEl>
+                                          <p:spTgt spid="4">
+                                            <p:txEl>
+                                              <p:pRg st="6" end="6"/>
+                                            </p:txEl>
+                                          </p:spTgt>
+                                        </p:tgtEl>
+                                      </p:cBhvr>
+                                      <p:to x="100000" y="60000"/>
+                                    </p:animScale>
+                                    <p:animScale>
+                                      <p:cBhvr>
+                                        <p:cTn id="127" dur="166" decel="50000">
+                                          <p:stCondLst>
+                                            <p:cond delay="676"/>
+                                          </p:stCondLst>
+                                        </p:cTn>
+                                        <p:tgtEl>
+                                          <p:spTgt spid="4">
+                                            <p:txEl>
+                                              <p:pRg st="6" end="6"/>
+                                            </p:txEl>
+                                          </p:spTgt>
+                                        </p:tgtEl>
+                                      </p:cBhvr>
+                                      <p:to x="100000" y="100000"/>
+                                    </p:animScale>
+                                    <p:animScale>
+                                      <p:cBhvr>
+                                        <p:cTn id="128" dur="26">
+                                          <p:stCondLst>
+                                            <p:cond delay="1312"/>
+                                          </p:stCondLst>
+                                        </p:cTn>
+                                        <p:tgtEl>
+                                          <p:spTgt spid="4">
+                                            <p:txEl>
+                                              <p:pRg st="6" end="6"/>
+                                            </p:txEl>
+                                          </p:spTgt>
+                                        </p:tgtEl>
+                                      </p:cBhvr>
+                                      <p:to x="100000" y="80000"/>
+                                    </p:animScale>
+                                    <p:animScale>
+                                      <p:cBhvr>
+                                        <p:cTn id="129" dur="166" decel="50000">
+                                          <p:stCondLst>
+                                            <p:cond delay="1338"/>
+                                          </p:stCondLst>
+                                        </p:cTn>
+                                        <p:tgtEl>
+                                          <p:spTgt spid="4">
+                                            <p:txEl>
+                                              <p:pRg st="6" end="6"/>
+                                            </p:txEl>
+                                          </p:spTgt>
+                                        </p:tgtEl>
+                                      </p:cBhvr>
+                                      <p:to x="100000" y="100000"/>
+                                    </p:animScale>
+                                    <p:animScale>
+                                      <p:cBhvr>
+                                        <p:cTn id="130" dur="26">
+                                          <p:stCondLst>
+                                            <p:cond delay="1642"/>
+                                          </p:stCondLst>
+                                        </p:cTn>
+                                        <p:tgtEl>
+                                          <p:spTgt spid="4">
+                                            <p:txEl>
+                                              <p:pRg st="6" end="6"/>
+                                            </p:txEl>
+                                          </p:spTgt>
+                                        </p:tgtEl>
+                                      </p:cBhvr>
+                                      <p:to x="100000" y="90000"/>
+                                    </p:animScale>
+                                    <p:animScale>
+                                      <p:cBhvr>
+                                        <p:cTn id="131" dur="166" decel="50000">
+                                          <p:stCondLst>
+                                            <p:cond delay="1668"/>
+                                          </p:stCondLst>
+                                        </p:cTn>
+                                        <p:tgtEl>
+                                          <p:spTgt spid="4">
+                                            <p:txEl>
+                                              <p:pRg st="6" end="6"/>
+                                            </p:txEl>
+                                          </p:spTgt>
+                                        </p:tgtEl>
+                                      </p:cBhvr>
+                                      <p:to x="100000" y="100000"/>
+                                    </p:animScale>
+                                    <p:animScale>
+                                      <p:cBhvr>
+                                        <p:cTn id="132" dur="26">
+                                          <p:stCondLst>
+                                            <p:cond delay="1808"/>
+                                          </p:stCondLst>
+                                        </p:cTn>
+                                        <p:tgtEl>
+                                          <p:spTgt spid="4">
+                                            <p:txEl>
+                                              <p:pRg st="6" end="6"/>
+                                            </p:txEl>
+                                          </p:spTgt>
+                                        </p:tgtEl>
+                                      </p:cBhvr>
+                                      <p:to x="100000" y="95000"/>
+                                    </p:animScale>
+                                    <p:animScale>
+                                      <p:cBhvr>
+                                        <p:cTn id="133" dur="166" decel="50000">
+                                          <p:stCondLst>
+                                            <p:cond delay="1834"/>
+                                          </p:stCondLst>
+                                        </p:cTn>
+                                        <p:tgtEl>
+                                          <p:spTgt spid="4">
+                                            <p:txEl>
+                                              <p:pRg st="6" end="6"/>
+                                            </p:txEl>
+                                          </p:spTgt>
+                                        </p:tgtEl>
+                                      </p:cBhvr>
+                                      <p:to x="100000" y="100000"/>
+                                    </p:animScale>
+                                  </p:childTnLst>
+                                </p:cTn>
+                              </p:par>
+                            </p:childTnLst>
+                          </p:cTn>
+                        </p:par>
+                      </p:childTnLst>
+                    </p:cTn>
+                  </p:par>
+                  <p:par>
+                    <p:cTn id="134" fill="hold">
+                      <p:stCondLst>
+                        <p:cond delay="indefinite"/>
+                      </p:stCondLst>
+                      <p:childTnLst>
+                        <p:par>
+                          <p:cTn id="135" fill="hold">
+                            <p:stCondLst>
+                              <p:cond delay="0"/>
+                            </p:stCondLst>
+                            <p:childTnLst>
+                              <p:par>
+                                <p:cTn id="136" presetID="26" presetClass="entr" presetSubtype="0" fill="hold" grpId="0" nodeType="clickEffect">
+                                  <p:stCondLst>
+                                    <p:cond delay="0"/>
+                                  </p:stCondLst>
+                                  <p:childTnLst>
+                                    <p:set>
+                                      <p:cBhvr>
+                                        <p:cTn id="137" dur="1" fill="hold">
+                                          <p:stCondLst>
+                                            <p:cond delay="0"/>
+                                          </p:stCondLst>
+                                        </p:cTn>
+                                        <p:tgtEl>
+                                          <p:spTgt spid="4">
+                                            <p:txEl>
+                                              <p:pRg st="7" end="7"/>
+                                            </p:txEl>
+                                          </p:spTgt>
+                                        </p:tgtEl>
+                                        <p:attrNameLst>
+                                          <p:attrName>style.visibility</p:attrName>
+                                        </p:attrNameLst>
+                                      </p:cBhvr>
+                                      <p:to>
+                                        <p:strVal val="visible"/>
+                                      </p:to>
+                                    </p:set>
+                                    <p:animEffect transition="in" filter="wipe(down)">
+                                      <p:cBhvr>
+                                        <p:cTn id="138" dur="580">
+                                          <p:stCondLst>
+                                            <p:cond delay="0"/>
+                                          </p:stCondLst>
+                                        </p:cTn>
+                                        <p:tgtEl>
+                                          <p:spTgt spid="4">
+                                            <p:txEl>
+                                              <p:pRg st="7" end="7"/>
+                                            </p:txEl>
+                                          </p:spTgt>
+                                        </p:tgtEl>
+                                      </p:cBhvr>
+                                    </p:animEffect>
+                                    <p:anim calcmode="lin" valueType="num">
+                                      <p:cBhvr>
+                                        <p:cTn id="139" dur="1822" tmFilter="0,0; 0.14,0.36; 0.43,0.73; 0.71,0.91; 1.0,1.0">
+                                          <p:stCondLst>
+                                            <p:cond delay="0"/>
+                                          </p:stCondLst>
+                                        </p:cTn>
+                                        <p:tgtEl>
+                                          <p:spTgt spid="4">
+                                            <p:txEl>
+                                              <p:pRg st="7" end="7"/>
+                                            </p:txEl>
+                                          </p:spTgt>
+                                        </p:tgtEl>
+                                        <p:attrNameLst>
+                                          <p:attrName>ppt_x</p:attrName>
+                                        </p:attrNameLst>
+                                      </p:cBhvr>
+                                      <p:tavLst>
+                                        <p:tav tm="0">
+                                          <p:val>
+                                            <p:strVal val="#ppt_x-0.25"/>
+                                          </p:val>
+                                        </p:tav>
+                                        <p:tav tm="100000">
+                                          <p:val>
+                                            <p:strVal val="#ppt_x"/>
+                                          </p:val>
+                                        </p:tav>
+                                      </p:tavLst>
+                                    </p:anim>
+                                    <p:anim calcmode="lin" valueType="num">
+                                      <p:cBhvr>
+                                        <p:cTn id="140" dur="664" tmFilter="0.0,0.0; 0.25,0.07; 0.50,0.2; 0.75,0.467; 1.0,1.0">
+                                          <p:stCondLst>
+                                            <p:cond delay="0"/>
+                                          </p:stCondLst>
+                                        </p:cTn>
+                                        <p:tgtEl>
+                                          <p:spTgt spid="4">
+                                            <p:txEl>
+                                              <p:pRg st="7" end="7"/>
+                                            </p:txEl>
+                                          </p:spTgt>
+                                        </p:tgtEl>
+                                        <p:attrNameLst>
+                                          <p:attrName>ppt_y</p:attrName>
+                                        </p:attrNameLst>
+                                      </p:cBhvr>
+                                      <p:tavLst>
+                                        <p:tav tm="0" fmla="#ppt_y-sin(pi*$)/3">
+                                          <p:val>
+                                            <p:fltVal val="0.5"/>
+                                          </p:val>
+                                        </p:tav>
+                                        <p:tav tm="100000">
+                                          <p:val>
+                                            <p:fltVal val="1"/>
+                                          </p:val>
+                                        </p:tav>
+                                      </p:tavLst>
+                                    </p:anim>
+                                    <p:anim calcmode="lin" valueType="num">
+                                      <p:cBhvr>
+                                        <p:cTn id="141" dur="664" tmFilter="0, 0; 0.125,0.2665; 0.25,0.4; 0.375,0.465; 0.5,0.5;  0.625,0.535; 0.75,0.6; 0.875,0.7335; 1,1">
+                                          <p:stCondLst>
+                                            <p:cond delay="664"/>
+                                          </p:stCondLst>
+                                        </p:cTn>
+                                        <p:tgtEl>
+                                          <p:spTgt spid="4">
+                                            <p:txEl>
+                                              <p:pRg st="7" end="7"/>
+                                            </p:txEl>
+                                          </p:spTgt>
+                                        </p:tgtEl>
+                                        <p:attrNameLst>
+                                          <p:attrName>ppt_y</p:attrName>
+                                        </p:attrNameLst>
+                                      </p:cBhvr>
+                                      <p:tavLst>
+                                        <p:tav tm="0" fmla="#ppt_y-sin(pi*$)/9">
+                                          <p:val>
+                                            <p:fltVal val="0"/>
+                                          </p:val>
+                                        </p:tav>
+                                        <p:tav tm="100000">
+                                          <p:val>
+                                            <p:fltVal val="1"/>
+                                          </p:val>
+                                        </p:tav>
+                                      </p:tavLst>
+                                    </p:anim>
+                                    <p:anim calcmode="lin" valueType="num">
+                                      <p:cBhvr>
+                                        <p:cTn id="142" dur="332" tmFilter="0, 0; 0.125,0.2665; 0.25,0.4; 0.375,0.465; 0.5,0.5;  0.625,0.535; 0.75,0.6; 0.875,0.7335; 1,1">
+                                          <p:stCondLst>
+                                            <p:cond delay="1324"/>
+                                          </p:stCondLst>
+                                        </p:cTn>
+                                        <p:tgtEl>
+                                          <p:spTgt spid="4">
+                                            <p:txEl>
+                                              <p:pRg st="7" end="7"/>
+                                            </p:txEl>
+                                          </p:spTgt>
+                                        </p:tgtEl>
+                                        <p:attrNameLst>
+                                          <p:attrName>ppt_y</p:attrName>
+                                        </p:attrNameLst>
+                                      </p:cBhvr>
+                                      <p:tavLst>
+                                        <p:tav tm="0" fmla="#ppt_y-sin(pi*$)/27">
+                                          <p:val>
+                                            <p:fltVal val="0"/>
+                                          </p:val>
+                                        </p:tav>
+                                        <p:tav tm="100000">
+                                          <p:val>
+                                            <p:fltVal val="1"/>
+                                          </p:val>
+                                        </p:tav>
+                                      </p:tavLst>
+                                    </p:anim>
+                                    <p:anim calcmode="lin" valueType="num">
+                                      <p:cBhvr>
+                                        <p:cTn id="143" dur="164" tmFilter="0, 0; 0.125,0.2665; 0.25,0.4; 0.375,0.465; 0.5,0.5;  0.625,0.535; 0.75,0.6; 0.875,0.7335; 1,1">
+                                          <p:stCondLst>
+                                            <p:cond delay="1656"/>
+                                          </p:stCondLst>
+                                        </p:cTn>
+                                        <p:tgtEl>
+                                          <p:spTgt spid="4">
+                                            <p:txEl>
+                                              <p:pRg st="7" end="7"/>
+                                            </p:txEl>
+                                          </p:spTgt>
+                                        </p:tgtEl>
+                                        <p:attrNameLst>
+                                          <p:attrName>ppt_y</p:attrName>
+                                        </p:attrNameLst>
+                                      </p:cBhvr>
+                                      <p:tavLst>
+                                        <p:tav tm="0" fmla="#ppt_y-sin(pi*$)/81">
+                                          <p:val>
+                                            <p:fltVal val="0"/>
+                                          </p:val>
+                                        </p:tav>
+                                        <p:tav tm="100000">
+                                          <p:val>
+                                            <p:fltVal val="1"/>
+                                          </p:val>
+                                        </p:tav>
+                                      </p:tavLst>
+                                    </p:anim>
+                                    <p:animScale>
+                                      <p:cBhvr>
+                                        <p:cTn id="144" dur="26">
+                                          <p:stCondLst>
+                                            <p:cond delay="650"/>
+                                          </p:stCondLst>
+                                        </p:cTn>
+                                        <p:tgtEl>
+                                          <p:spTgt spid="4">
+                                            <p:txEl>
+                                              <p:pRg st="7" end="7"/>
+                                            </p:txEl>
+                                          </p:spTgt>
+                                        </p:tgtEl>
+                                      </p:cBhvr>
+                                      <p:to x="100000" y="60000"/>
+                                    </p:animScale>
+                                    <p:animScale>
+                                      <p:cBhvr>
+                                        <p:cTn id="145" dur="166" decel="50000">
+                                          <p:stCondLst>
+                                            <p:cond delay="676"/>
+                                          </p:stCondLst>
+                                        </p:cTn>
+                                        <p:tgtEl>
+                                          <p:spTgt spid="4">
+                                            <p:txEl>
+                                              <p:pRg st="7" end="7"/>
+                                            </p:txEl>
+                                          </p:spTgt>
+                                        </p:tgtEl>
+                                      </p:cBhvr>
+                                      <p:to x="100000" y="100000"/>
+                                    </p:animScale>
+                                    <p:animScale>
+                                      <p:cBhvr>
+                                        <p:cTn id="146" dur="26">
+                                          <p:stCondLst>
+                                            <p:cond delay="1312"/>
+                                          </p:stCondLst>
+                                        </p:cTn>
+                                        <p:tgtEl>
+                                          <p:spTgt spid="4">
+                                            <p:txEl>
+                                              <p:pRg st="7" end="7"/>
+                                            </p:txEl>
+                                          </p:spTgt>
+                                        </p:tgtEl>
+                                      </p:cBhvr>
+                                      <p:to x="100000" y="80000"/>
+                                    </p:animScale>
+                                    <p:animScale>
+                                      <p:cBhvr>
+                                        <p:cTn id="147" dur="166" decel="50000">
+                                          <p:stCondLst>
+                                            <p:cond delay="1338"/>
+                                          </p:stCondLst>
+                                        </p:cTn>
+                                        <p:tgtEl>
+                                          <p:spTgt spid="4">
+                                            <p:txEl>
+                                              <p:pRg st="7" end="7"/>
+                                            </p:txEl>
+                                          </p:spTgt>
+                                        </p:tgtEl>
+                                      </p:cBhvr>
+                                      <p:to x="100000" y="100000"/>
+                                    </p:animScale>
+                                    <p:animScale>
+                                      <p:cBhvr>
+                                        <p:cTn id="148" dur="26">
+                                          <p:stCondLst>
+                                            <p:cond delay="1642"/>
+                                          </p:stCondLst>
+                                        </p:cTn>
+                                        <p:tgtEl>
+                                          <p:spTgt spid="4">
+                                            <p:txEl>
+                                              <p:pRg st="7" end="7"/>
+                                            </p:txEl>
+                                          </p:spTgt>
+                                        </p:tgtEl>
+                                      </p:cBhvr>
+                                      <p:to x="100000" y="90000"/>
+                                    </p:animScale>
+                                    <p:animScale>
+                                      <p:cBhvr>
+                                        <p:cTn id="149" dur="166" decel="50000">
+                                          <p:stCondLst>
+                                            <p:cond delay="1668"/>
+                                          </p:stCondLst>
+                                        </p:cTn>
+                                        <p:tgtEl>
+                                          <p:spTgt spid="4">
+                                            <p:txEl>
+                                              <p:pRg st="7" end="7"/>
+                                            </p:txEl>
+                                          </p:spTgt>
+                                        </p:tgtEl>
+                                      </p:cBhvr>
+                                      <p:to x="100000" y="100000"/>
+                                    </p:animScale>
+                                    <p:animScale>
+                                      <p:cBhvr>
+                                        <p:cTn id="150" dur="26">
+                                          <p:stCondLst>
+                                            <p:cond delay="1808"/>
+                                          </p:stCondLst>
+                                        </p:cTn>
+                                        <p:tgtEl>
+                                          <p:spTgt spid="4">
+                                            <p:txEl>
+                                              <p:pRg st="7" end="7"/>
+                                            </p:txEl>
+                                          </p:spTgt>
+                                        </p:tgtEl>
+                                      </p:cBhvr>
+                                      <p:to x="100000" y="95000"/>
+                                    </p:animScale>
+                                    <p:animScale>
+                                      <p:cBhvr>
+                                        <p:cTn id="151" dur="166" decel="50000">
+                                          <p:stCondLst>
+                                            <p:cond delay="1834"/>
+                                          </p:stCondLst>
+                                        </p:cTn>
+                                        <p:tgtEl>
+                                          <p:spTgt spid="4">
+                                            <p:txEl>
+                                              <p:pRg st="7" end="7"/>
+                                            </p:txEl>
+                                          </p:spTgt>
+                                        </p:tgtEl>
+                                      </p:cBhvr>
+                                      <p:to x="100000" y="100000"/>
+                                    </p:animScale>
+                                  </p:childTnLst>
+                                </p:cTn>
+                              </p:par>
+                            </p:childTnLst>
+                          </p:cTn>
+                        </p:par>
+                      </p:childTnLst>
+                    </p:cTn>
+                  </p:par>
+                  <p:par>
+                    <p:cTn id="152" fill="hold">
+                      <p:stCondLst>
+                        <p:cond delay="indefinite"/>
+                      </p:stCondLst>
+                      <p:childTnLst>
+                        <p:par>
+                          <p:cTn id="153" fill="hold">
+                            <p:stCondLst>
+                              <p:cond delay="0"/>
+                            </p:stCondLst>
+                            <p:childTnLst>
+                              <p:par>
+                                <p:cTn id="154" presetID="18" presetClass="emph" presetSubtype="0" fill="hold" grpId="0" nodeType="clickEffect">
                                   <p:stCondLst>
                                     <p:cond delay="0"/>
                                   </p:stCondLst>
@@ -17512,7 +19066,7 @@
                                   <p:childTnLst>
                                     <p:set>
                                       <p:cBhvr override="childStyle">
-                                        <p:cTn id="119" dur="500" fill="hold"/>
+                                        <p:cTn id="155" dur="500" fill="hold"/>
                                         <p:tgtEl>
                                           <p:spTgt spid="5"/>
                                         </p:tgtEl>
@@ -18574,6 +20128,15 @@
 </file>
 
 <file path=customXml/item1.xml><?xml version="1.0" encoding="utf-8"?>
+<?mso-contentType ?>
+<FormTemplates xmlns="http://schemas.microsoft.com/sharepoint/v3/contenttype/forms">
+  <Display>DocumentLibraryForm</Display>
+  <Edit>AssetEditForm</Edit>
+  <New>DocumentLibraryForm</New>
+</FormTemplates>
+</file>
+
+<file path=customXml/item2.xml><?xml version="1.0" encoding="utf-8"?>
 <ct:contentTypeSchema xmlns:ct="http://schemas.microsoft.com/office/2006/metadata/contentType" xmlns:ma="http://schemas.microsoft.com/office/2006/metadata/properties/metaAttributes" ct:_="" ma:_="" ma:contentTypeName="TemplateFile" ma:contentTypeID="0x0101006EDDDB5EE6D98C44930B742096920B300400F5B6D36B3EF94B4E9A635CDF2A18F5B8" ma:contentTypeVersion="72" ma:contentTypeDescription="Create a new document." ma:contentTypeScope="" ma:versionID="a23e56308344d904b51738559c3d67c9">
   <xsd:schema xmlns:xsd="http://www.w3.org/2001/XMLSchema" xmlns:xs="http://www.w3.org/2001/XMLSchema" xmlns:p="http://schemas.microsoft.com/office/2006/metadata/properties" xmlns:ns2="4873beb7-5857-4685-be1f-d57550cc96cc" targetNamespace="http://schemas.microsoft.com/office/2006/metadata/properties" ma:root="true" ma:fieldsID="cd0908cc4600e77bf5da051303e00c8d" ns2:_="">
     <xsd:import namespace="4873beb7-5857-4685-be1f-d57550cc96cc"/>
@@ -19613,15 +21176,6 @@
 </ct:contentTypeSchema>
 </file>
 
-<file path=customXml/item2.xml><?xml version="1.0" encoding="utf-8"?>
-<?mso-contentType ?>
-<FormTemplates xmlns="http://schemas.microsoft.com/sharepoint/v3/contenttype/forms">
-  <Display>DocumentLibraryForm</Display>
-  <Edit>AssetEditForm</Edit>
-  <New>DocumentLibraryForm</New>
-</FormTemplates>
-</file>
-
 <file path=customXml/item3.xml><?xml version="1.0" encoding="utf-8"?>
 <p:properties xmlns:p="http://schemas.microsoft.com/office/2006/metadata/properties" xmlns:xsi="http://www.w3.org/2001/XMLSchema-instance" xmlns:pc="http://schemas.microsoft.com/office/infopath/2007/PartnerControls">
   <documentManagement>
@@ -19759,6 +21313,14 @@
 </file>
 
 <file path=customXml/itemProps1.xml><?xml version="1.0" encoding="utf-8"?>
+<ds:datastoreItem xmlns:ds="http://schemas.openxmlformats.org/officeDocument/2006/customXml" ds:itemID="{3836F65B-1B07-41EE-A0E8-BC6EF3855225}">
+  <ds:schemaRefs>
+    <ds:schemaRef ds:uri="http://schemas.microsoft.com/sharepoint/v3/contenttype/forms"/>
+  </ds:schemaRefs>
+</ds:datastoreItem>
+</file>
+
+<file path=customXml/itemProps2.xml><?xml version="1.0" encoding="utf-8"?>
 <ds:datastoreItem xmlns:ds="http://schemas.openxmlformats.org/officeDocument/2006/customXml" ds:itemID="{A09BF4D4-EF60-4196-BFC3-9462D607978C}">
   <ds:schemaRefs>
     <ds:schemaRef ds:uri="http://schemas.microsoft.com/office/2006/metadata/contentType"/>
@@ -19772,14 +21334,6 @@
     <ds:schemaRef ds:uri="http://purl.org/dc/elements/1.1/"/>
     <ds:schemaRef ds:uri="http://purl.org/dc/terms/"/>
     <ds:schemaRef ds:uri="http://schemas.microsoft.com/internal/obd"/>
-  </ds:schemaRefs>
-</ds:datastoreItem>
-</file>
-
-<file path=customXml/itemProps2.xml><?xml version="1.0" encoding="utf-8"?>
-<ds:datastoreItem xmlns:ds="http://schemas.openxmlformats.org/officeDocument/2006/customXml" ds:itemID="{3836F65B-1B07-41EE-A0E8-BC6EF3855225}">
-  <ds:schemaRefs>
-    <ds:schemaRef ds:uri="http://schemas.microsoft.com/sharepoint/v3/contenttype/forms"/>
   </ds:schemaRefs>
 </ds:datastoreItem>
 </file>

--- a/MM & ES Lab_Project-Proposal_Presentation_of_Team-Bratva - Copy.pptx
+++ b/MM & ES Lab_Project-Proposal_Presentation_of_Team-Bratva - Copy.pptx
@@ -234,7 +234,7 @@
           <a:p>
             <a:fld id="{FE5B4EDC-59C0-49C7-8ADA-5A781B329E02}" type="datetimeFigureOut">
               <a:rPr lang="en-US"/>
-              <a:t>10/30/2022</a:t>
+              <a:t>10/31/2022</a:t>
             </a:fld>
             <a:endParaRPr/>
           </a:p>
@@ -399,7 +399,7 @@
           <a:p>
             <a:fld id="{F2D8D46A-B586-417D-BFBD-8C8FE0AAF762}" type="datetimeFigureOut">
               <a:rPr lang="en-US"/>
-              <a:t>10/30/2022</a:t>
+              <a:t>10/31/2022</a:t>
             </a:fld>
             <a:endParaRPr/>
           </a:p>
@@ -1417,7 +1417,7 @@
           <a:p>
             <a:fld id="{F0DFD029-FB74-4578-B929-F66AA97659CA}" type="datetimeFigureOut">
               <a:rPr lang="en-US"/>
-              <a:t>10/30/2022</a:t>
+              <a:t>10/31/2022</a:t>
             </a:fld>
             <a:endParaRPr/>
           </a:p>
@@ -1615,7 +1615,7 @@
           <a:p>
             <a:fld id="{F0DFD029-FB74-4578-B929-F66AA97659CA}" type="datetimeFigureOut">
               <a:rPr lang="en-US"/>
-              <a:t>10/30/2022</a:t>
+              <a:t>10/31/2022</a:t>
             </a:fld>
             <a:endParaRPr/>
           </a:p>
@@ -1823,7 +1823,7 @@
           <a:p>
             <a:fld id="{F0DFD029-FB74-4578-B929-F66AA97659CA}" type="datetimeFigureOut">
               <a:rPr lang="en-US"/>
-              <a:t>10/30/2022</a:t>
+              <a:t>10/31/2022</a:t>
             </a:fld>
             <a:endParaRPr/>
           </a:p>
@@ -2021,7 +2021,7 @@
           <a:p>
             <a:fld id="{F0DFD029-FB74-4578-B929-F66AA97659CA}" type="datetimeFigureOut">
               <a:rPr lang="en-US"/>
-              <a:t>10/30/2022</a:t>
+              <a:t>10/31/2022</a:t>
             </a:fld>
             <a:endParaRPr/>
           </a:p>
@@ -2453,7 +2453,7 @@
           <a:p>
             <a:fld id="{F0DFD029-FB74-4578-B929-F66AA97659CA}" type="datetimeFigureOut">
               <a:rPr lang="en-US"/>
-              <a:t>10/30/2022</a:t>
+              <a:t>10/31/2022</a:t>
             </a:fld>
             <a:endParaRPr/>
           </a:p>
@@ -2757,7 +2757,7 @@
           <a:p>
             <a:fld id="{F0DFD029-FB74-4578-B929-F66AA97659CA}" type="datetimeFigureOut">
               <a:rPr lang="en-US"/>
-              <a:t>10/30/2022</a:t>
+              <a:t>10/31/2022</a:t>
             </a:fld>
             <a:endParaRPr/>
           </a:p>
@@ -3213,7 +3213,7 @@
           <a:p>
             <a:fld id="{F0DFD029-FB74-4578-B929-F66AA97659CA}" type="datetimeFigureOut">
               <a:rPr lang="en-US"/>
-              <a:t>10/30/2022</a:t>
+              <a:t>10/31/2022</a:t>
             </a:fld>
             <a:endParaRPr/>
           </a:p>
@@ -3343,7 +3343,7 @@
           <a:p>
             <a:fld id="{F0DFD029-FB74-4578-B929-F66AA97659CA}" type="datetimeFigureOut">
               <a:rPr lang="en-US"/>
-              <a:t>10/30/2022</a:t>
+              <a:t>10/31/2022</a:t>
             </a:fld>
             <a:endParaRPr/>
           </a:p>
@@ -3450,7 +3450,7 @@
           <a:p>
             <a:fld id="{F0DFD029-FB74-4578-B929-F66AA97659CA}" type="datetimeFigureOut">
               <a:rPr lang="en-US"/>
-              <a:t>10/30/2022</a:t>
+              <a:t>10/31/2022</a:t>
             </a:fld>
             <a:endParaRPr/>
           </a:p>
@@ -3749,7 +3749,7 @@
           <a:p>
             <a:fld id="{F0DFD029-FB74-4578-B929-F66AA97659CA}" type="datetimeFigureOut">
               <a:rPr lang="en-US"/>
-              <a:t>10/30/2022</a:t>
+              <a:t>10/31/2022</a:t>
             </a:fld>
             <a:endParaRPr/>
           </a:p>
@@ -4037,7 +4037,7 @@
           <a:p>
             <a:fld id="{F0DFD029-FB74-4578-B929-F66AA97659CA}" type="datetimeFigureOut">
               <a:rPr lang="en-US"/>
-              <a:t>10/30/2022</a:t>
+              <a:t>10/31/2022</a:t>
             </a:fld>
             <a:endParaRPr/>
           </a:p>
@@ -4659,7 +4659,7 @@
             <a:fld id="{F0DFD029-FB74-4578-B929-F66AA97659CA}" type="datetimeFigureOut">
               <a:rPr lang="en-US"/>
               <a:pPr/>
-              <a:t>10/30/2022</a:t>
+              <a:t>10/31/2022</a:t>
             </a:fld>
             <a:endParaRPr/>
           </a:p>
@@ -20128,15 +20128,6 @@
 </file>
 
 <file path=customXml/item1.xml><?xml version="1.0" encoding="utf-8"?>
-<?mso-contentType ?>
-<FormTemplates xmlns="http://schemas.microsoft.com/sharepoint/v3/contenttype/forms">
-  <Display>DocumentLibraryForm</Display>
-  <Edit>AssetEditForm</Edit>
-  <New>DocumentLibraryForm</New>
-</FormTemplates>
-</file>
-
-<file path=customXml/item2.xml><?xml version="1.0" encoding="utf-8"?>
 <ct:contentTypeSchema xmlns:ct="http://schemas.microsoft.com/office/2006/metadata/contentType" xmlns:ma="http://schemas.microsoft.com/office/2006/metadata/properties/metaAttributes" ct:_="" ma:_="" ma:contentTypeName="TemplateFile" ma:contentTypeID="0x0101006EDDDB5EE6D98C44930B742096920B300400F5B6D36B3EF94B4E9A635CDF2A18F5B8" ma:contentTypeVersion="72" ma:contentTypeDescription="Create a new document." ma:contentTypeScope="" ma:versionID="a23e56308344d904b51738559c3d67c9">
   <xsd:schema xmlns:xsd="http://www.w3.org/2001/XMLSchema" xmlns:xs="http://www.w3.org/2001/XMLSchema" xmlns:p="http://schemas.microsoft.com/office/2006/metadata/properties" xmlns:ns2="4873beb7-5857-4685-be1f-d57550cc96cc" targetNamespace="http://schemas.microsoft.com/office/2006/metadata/properties" ma:root="true" ma:fieldsID="cd0908cc4600e77bf5da051303e00c8d" ns2:_="">
     <xsd:import namespace="4873beb7-5857-4685-be1f-d57550cc96cc"/>
@@ -21176,6 +21167,15 @@
 </ct:contentTypeSchema>
 </file>
 
+<file path=customXml/item2.xml><?xml version="1.0" encoding="utf-8"?>
+<?mso-contentType ?>
+<FormTemplates xmlns="http://schemas.microsoft.com/sharepoint/v3/contenttype/forms">
+  <Display>DocumentLibraryForm</Display>
+  <Edit>AssetEditForm</Edit>
+  <New>DocumentLibraryForm</New>
+</FormTemplates>
+</file>
+
 <file path=customXml/item3.xml><?xml version="1.0" encoding="utf-8"?>
 <p:properties xmlns:p="http://schemas.microsoft.com/office/2006/metadata/properties" xmlns:xsi="http://www.w3.org/2001/XMLSchema-instance" xmlns:pc="http://schemas.microsoft.com/office/infopath/2007/PartnerControls">
   <documentManagement>
@@ -21313,14 +21313,6 @@
 </file>
 
 <file path=customXml/itemProps1.xml><?xml version="1.0" encoding="utf-8"?>
-<ds:datastoreItem xmlns:ds="http://schemas.openxmlformats.org/officeDocument/2006/customXml" ds:itemID="{3836F65B-1B07-41EE-A0E8-BC6EF3855225}">
-  <ds:schemaRefs>
-    <ds:schemaRef ds:uri="http://schemas.microsoft.com/sharepoint/v3/contenttype/forms"/>
-  </ds:schemaRefs>
-</ds:datastoreItem>
-</file>
-
-<file path=customXml/itemProps2.xml><?xml version="1.0" encoding="utf-8"?>
 <ds:datastoreItem xmlns:ds="http://schemas.openxmlformats.org/officeDocument/2006/customXml" ds:itemID="{A09BF4D4-EF60-4196-BFC3-9462D607978C}">
   <ds:schemaRefs>
     <ds:schemaRef ds:uri="http://schemas.microsoft.com/office/2006/metadata/contentType"/>
@@ -21334,6 +21326,14 @@
     <ds:schemaRef ds:uri="http://purl.org/dc/elements/1.1/"/>
     <ds:schemaRef ds:uri="http://purl.org/dc/terms/"/>
     <ds:schemaRef ds:uri="http://schemas.microsoft.com/internal/obd"/>
+  </ds:schemaRefs>
+</ds:datastoreItem>
+</file>
+
+<file path=customXml/itemProps2.xml><?xml version="1.0" encoding="utf-8"?>
+<ds:datastoreItem xmlns:ds="http://schemas.openxmlformats.org/officeDocument/2006/customXml" ds:itemID="{3836F65B-1B07-41EE-A0E8-BC6EF3855225}">
+  <ds:schemaRefs>
+    <ds:schemaRef ds:uri="http://schemas.microsoft.com/sharepoint/v3/contenttype/forms"/>
   </ds:schemaRefs>
 </ds:datastoreItem>
 </file>
